--- a/files/2019/09/09-05-Chengyuan-slides-free-discussion.pptx
+++ b/files/2019/09/09-05-Chengyuan-slides-free-discussion.pptx
@@ -4620,7 +4620,7 @@
           <a:p>
             <a:fld id="{FB4E9418-4031-4CFA-BDD6-4E265AF668CA}" type="datetimeFigureOut">
               <a:rPr lang="en-US" smtClean="0"/>
-              <a:t>9/4/2019</a:t>
+              <a:t>9/5/2019</a:t>
             </a:fld>
             <a:endParaRPr lang="en-US"/>
           </a:p>
@@ -5156,7 +5156,7 @@
           <a:p>
             <a:fld id="{AA91478F-FACE-4038-B9AB-44F432E4C415}" type="datetime1">
               <a:rPr lang="en-US" altLang="zh-CN" smtClean="0"/>
-              <a:t>9/4/2019</a:t>
+              <a:t>9/5/2019</a:t>
             </a:fld>
             <a:endParaRPr lang="zh-CN" altLang="en-US"/>
           </a:p>
@@ -5337,7 +5337,7 @@
           <a:p>
             <a:fld id="{694DD834-6779-45E2-8520-C0DB15F03DC5}" type="datetime1">
               <a:rPr lang="en-US" altLang="zh-CN" smtClean="0"/>
-              <a:t>9/4/2019</a:t>
+              <a:t>9/5/2019</a:t>
             </a:fld>
             <a:endParaRPr lang="zh-CN" altLang="en-US"/>
           </a:p>
@@ -5519,7 +5519,7 @@
           <a:p>
             <a:fld id="{12D0812A-7DA2-4EF7-8A31-9F935939021D}" type="datetime1">
               <a:rPr lang="en-US" altLang="zh-CN" smtClean="0"/>
-              <a:t>9/4/2019</a:t>
+              <a:t>9/5/2019</a:t>
             </a:fld>
             <a:endParaRPr lang="zh-CN" altLang="en-US"/>
           </a:p>
@@ -5715,7 +5715,7 @@
           <a:p>
             <a:fld id="{30789979-6606-4A44-9138-FA79884561F3}" type="datetime1">
               <a:rPr lang="en-US" smtClean="0"/>
-              <a:t>9/4/2019</a:t>
+              <a:t>9/5/2019</a:t>
             </a:fld>
             <a:endParaRPr lang="en-US"/>
           </a:p>
@@ -5889,7 +5889,7 @@
           <a:p>
             <a:fld id="{3423F187-6B98-4FAA-86D9-C6061E4D7533}" type="datetime1">
               <a:rPr lang="en-US" smtClean="0"/>
-              <a:t>9/4/2019</a:t>
+              <a:t>9/5/2019</a:t>
             </a:fld>
             <a:endParaRPr lang="en-US"/>
           </a:p>
@@ -6139,7 +6139,7 @@
           <a:p>
             <a:fld id="{C8D35A0A-3CF7-438D-8226-15B8CAA47462}" type="datetime1">
               <a:rPr lang="en-US" smtClean="0"/>
-              <a:t>9/4/2019</a:t>
+              <a:t>9/5/2019</a:t>
             </a:fld>
             <a:endParaRPr lang="en-US"/>
           </a:p>
@@ -6374,7 +6374,7 @@
           <a:p>
             <a:fld id="{8BFCC34F-720F-416E-9BF3-8E9784CD9B6D}" type="datetime1">
               <a:rPr lang="en-US" smtClean="0"/>
-              <a:t>9/4/2019</a:t>
+              <a:t>9/5/2019</a:t>
             </a:fld>
             <a:endParaRPr lang="en-US"/>
           </a:p>
@@ -6744,7 +6744,7 @@
           <a:p>
             <a:fld id="{53D8F659-440B-4CC5-9E92-3A54372F7B16}" type="datetime1">
               <a:rPr lang="en-US" smtClean="0"/>
-              <a:t>9/4/2019</a:t>
+              <a:t>9/5/2019</a:t>
             </a:fld>
             <a:endParaRPr lang="en-US"/>
           </a:p>
@@ -6865,7 +6865,7 @@
           <a:p>
             <a:fld id="{60B4B87C-F9D5-44A5-A5BA-EA8FBC974B6B}" type="datetime1">
               <a:rPr lang="en-US" smtClean="0"/>
-              <a:t>9/4/2019</a:t>
+              <a:t>9/5/2019</a:t>
             </a:fld>
             <a:endParaRPr lang="en-US"/>
           </a:p>
@@ -6963,7 +6963,7 @@
           <a:p>
             <a:fld id="{ABF661EB-6BC0-4193-B332-0E2EC449CEF8}" type="datetime1">
               <a:rPr lang="en-US" smtClean="0"/>
-              <a:t>9/4/2019</a:t>
+              <a:t>9/5/2019</a:t>
             </a:fld>
             <a:endParaRPr lang="en-US"/>
           </a:p>
@@ -7243,7 +7243,7 @@
           <a:p>
             <a:fld id="{2FBF6DF0-1845-4296-8084-CC6C9C0034B8}" type="datetime1">
               <a:rPr lang="en-US" smtClean="0"/>
-              <a:t>9/4/2019</a:t>
+              <a:t>9/5/2019</a:t>
             </a:fld>
             <a:endParaRPr lang="en-US"/>
           </a:p>
@@ -7414,7 +7414,7 @@
           <a:p>
             <a:fld id="{AECA885D-F4C6-42B0-8CE8-AAF8AE6ABA0A}" type="datetime1">
               <a:rPr lang="en-US" altLang="zh-CN" smtClean="0"/>
-              <a:t>9/4/2019</a:t>
+              <a:t>9/5/2019</a:t>
             </a:fld>
             <a:endParaRPr lang="zh-CN" altLang="en-US"/>
           </a:p>
@@ -7689,7 +7689,7 @@
           <a:p>
             <a:fld id="{077DBD4E-3B9F-4D56-9F48-4F9B7BCE05B3}" type="datetime1">
               <a:rPr lang="en-US" smtClean="0"/>
-              <a:t>9/4/2019</a:t>
+              <a:t>9/5/2019</a:t>
             </a:fld>
             <a:endParaRPr lang="en-US"/>
           </a:p>
@@ -7862,7 +7862,7 @@
           <a:p>
             <a:fld id="{77A97FA3-4A18-40B7-A1AC-4ACA594ADBB4}" type="datetime1">
               <a:rPr lang="en-US" smtClean="0"/>
-              <a:t>9/4/2019</a:t>
+              <a:t>9/5/2019</a:t>
             </a:fld>
             <a:endParaRPr lang="en-US"/>
           </a:p>
@@ -8045,7 +8045,7 @@
           <a:p>
             <a:fld id="{E2C49C34-7434-44FA-9EEF-F7E8C9F515FF}" type="datetime1">
               <a:rPr lang="en-US" smtClean="0"/>
-              <a:t>9/4/2019</a:t>
+              <a:t>9/5/2019</a:t>
             </a:fld>
             <a:endParaRPr lang="en-US"/>
           </a:p>
@@ -8293,7 +8293,7 @@
           <a:p>
             <a:fld id="{C1AC0B22-9E39-4DD5-917B-F0D3B0F25D66}" type="datetime1">
               <a:rPr lang="en-US" altLang="zh-CN" smtClean="0"/>
-              <a:t>9/4/2019</a:t>
+              <a:t>9/5/2019</a:t>
             </a:fld>
             <a:endParaRPr lang="zh-CN" altLang="en-US"/>
           </a:p>
@@ -8559,7 +8559,7 @@
           <a:p>
             <a:fld id="{C90720A8-9CE3-4275-AC3E-6F15FC2816A8}" type="datetime1">
               <a:rPr lang="en-US" altLang="zh-CN" smtClean="0"/>
-              <a:t>9/4/2019</a:t>
+              <a:t>9/5/2019</a:t>
             </a:fld>
             <a:endParaRPr lang="zh-CN" altLang="en-US"/>
           </a:p>
@@ -8982,7 +8982,7 @@
           <a:p>
             <a:fld id="{289955B4-3E39-46C9-A4B8-CA23DCA0A036}" type="datetime1">
               <a:rPr lang="en-US" altLang="zh-CN" smtClean="0"/>
-              <a:t>9/4/2019</a:t>
+              <a:t>9/5/2019</a:t>
             </a:fld>
             <a:endParaRPr lang="zh-CN" altLang="en-US"/>
           </a:p>
@@ -9103,7 +9103,7 @@
           <a:p>
             <a:fld id="{B577E3E9-D901-40BA-AD04-B91CB67CBA54}" type="datetime1">
               <a:rPr lang="en-US" altLang="zh-CN" smtClean="0"/>
-              <a:t>9/4/2019</a:t>
+              <a:t>9/5/2019</a:t>
             </a:fld>
             <a:endParaRPr lang="zh-CN" altLang="en-US"/>
           </a:p>
@@ -9179,7 +9179,7 @@
           <a:p>
             <a:fld id="{EF1187BA-4538-4A3D-8904-368517AD6779}" type="datetime1">
               <a:rPr lang="en-US" altLang="zh-CN" smtClean="0"/>
-              <a:t>9/4/2019</a:t>
+              <a:t>9/5/2019</a:t>
             </a:fld>
             <a:endParaRPr lang="zh-CN" altLang="en-US"/>
           </a:p>
@@ -9458,7 +9458,7 @@
           <a:p>
             <a:fld id="{9C96CF85-C985-4287-8F78-01ECC830FD22}" type="datetime1">
               <a:rPr lang="en-US" altLang="zh-CN" smtClean="0"/>
-              <a:t>9/4/2019</a:t>
+              <a:t>9/5/2019</a:t>
             </a:fld>
             <a:endParaRPr lang="zh-CN" altLang="en-US"/>
           </a:p>
@@ -9714,7 +9714,7 @@
           <a:p>
             <a:fld id="{5A24D26C-B9A7-46F9-BDF7-E4A259EEB8FC}" type="datetime1">
               <a:rPr lang="en-US" altLang="zh-CN" smtClean="0"/>
-              <a:t>9/4/2019</a:t>
+              <a:t>9/5/2019</a:t>
             </a:fld>
             <a:endParaRPr lang="zh-CN" altLang="en-US"/>
           </a:p>
@@ -9929,7 +9929,7 @@
           <a:p>
             <a:fld id="{E9EE9955-8BD4-4677-BAFE-0E37CF7F9F69}" type="datetime1">
               <a:rPr lang="en-US" altLang="zh-CN" smtClean="0"/>
-              <a:t>9/4/2019</a:t>
+              <a:t>9/5/2019</a:t>
             </a:fld>
             <a:endParaRPr lang="zh-CN" altLang="en-US"/>
           </a:p>
@@ -10444,7 +10444,7 @@
           <a:p>
             <a:fld id="{994982F2-6040-4F3C-92B2-698634A4A872}" type="datetime1">
               <a:rPr lang="en-US" smtClean="0"/>
-              <a:t>9/4/2019</a:t>
+              <a:t>9/5/2019</a:t>
             </a:fld>
             <a:endParaRPr lang="en-US"/>
           </a:p>
@@ -11563,15 +11563,7 @@
                 <a:ea typeface="微软雅黑" panose="020B0503020204020204" pitchFamily="34" charset="-122"/>
                 <a:cs typeface="Times New Roman" panose="02020603050405020304" pitchFamily="18" charset="0"/>
               </a:rPr>
-              <a:t>RDMA</a:t>
-            </a:r>
-            <a:r>
-              <a:rPr lang="en-US" altLang="zh-CN" dirty="0" smtClean="0">
-                <a:latin typeface="微软雅黑" panose="020B0503020204020204" pitchFamily="34" charset="-122"/>
-                <a:ea typeface="微软雅黑" panose="020B0503020204020204" pitchFamily="34" charset="-122"/>
-                <a:cs typeface="Times New Roman" panose="02020603050405020304" pitchFamily="18" charset="0"/>
-              </a:rPr>
-              <a:t>, </a:t>
+              <a:t>RDMA, </a:t>
             </a:r>
             <a:r>
               <a:rPr lang="zh-CN" altLang="en-US" dirty="0" smtClean="0">
@@ -11826,7 +11818,47 @@
                 <a:ea typeface="微软雅黑" panose="020B0503020204020204" pitchFamily="34" charset="-122"/>
                 <a:cs typeface="Times New Roman" panose="02020603050405020304" pitchFamily="18" charset="0"/>
               </a:rPr>
-              <a:t> Zhu, Radhika Mittal …</a:t>
+              <a:t> Zhu, Radhika </a:t>
+            </a:r>
+            <a:r>
+              <a:rPr lang="en-US" altLang="zh-CN" dirty="0" smtClean="0">
+                <a:latin typeface="微软雅黑" panose="020B0503020204020204" pitchFamily="34" charset="-122"/>
+                <a:ea typeface="微软雅黑" panose="020B0503020204020204" pitchFamily="34" charset="-122"/>
+                <a:cs typeface="Times New Roman" panose="02020603050405020304" pitchFamily="18" charset="0"/>
+              </a:rPr>
+              <a:t>Mittal</a:t>
+            </a:r>
+            <a:r>
+              <a:rPr lang="en-US" altLang="zh-CN" dirty="0" smtClean="0">
+                <a:latin typeface="微软雅黑" panose="020B0503020204020204" pitchFamily="34" charset="-122"/>
+                <a:ea typeface="微软雅黑" panose="020B0503020204020204" pitchFamily="34" charset="-122"/>
+                <a:cs typeface="Times New Roman" panose="02020603050405020304" pitchFamily="18" charset="0"/>
+              </a:rPr>
+              <a:t>, Chuanxiong </a:t>
+            </a:r>
+            <a:r>
+              <a:rPr lang="en-US" altLang="zh-CN" dirty="0" err="1" smtClean="0">
+                <a:latin typeface="微软雅黑" panose="020B0503020204020204" pitchFamily="34" charset="-122"/>
+                <a:ea typeface="微软雅黑" panose="020B0503020204020204" pitchFamily="34" charset="-122"/>
+                <a:cs typeface="Times New Roman" panose="02020603050405020304" pitchFamily="18" charset="0"/>
+              </a:rPr>
+              <a:t>Guo</a:t>
+            </a:r>
+            <a:r>
+              <a:rPr lang="en-US" altLang="zh-CN" dirty="0" smtClean="0">
+                <a:latin typeface="微软雅黑" panose="020B0503020204020204" pitchFamily="34" charset="-122"/>
+                <a:ea typeface="微软雅黑" panose="020B0503020204020204" pitchFamily="34" charset="-122"/>
+                <a:cs typeface="Times New Roman" panose="02020603050405020304" pitchFamily="18" charset="0"/>
+              </a:rPr>
+              <a:t> </a:t>
+            </a:r>
+            <a:r>
+              <a:rPr lang="en-US" altLang="zh-CN" dirty="0" smtClean="0">
+                <a:latin typeface="微软雅黑" panose="020B0503020204020204" pitchFamily="34" charset="-122"/>
+                <a:ea typeface="微软雅黑" panose="020B0503020204020204" pitchFamily="34" charset="-122"/>
+                <a:cs typeface="Times New Roman" panose="02020603050405020304" pitchFamily="18" charset="0"/>
+              </a:rPr>
+              <a:t>…</a:t>
             </a:r>
           </a:p>
           <a:p>
